--- a/PromptEngineeringWithLangchain.pptx
+++ b/PromptEngineeringWithLangchain.pptx
@@ -19103,8 +19103,12 @@
               <a:t>Example: </a:t>
             </a:r>
             <a:r>
+              <a:rPr lang="en-US" sz="1800"/>
+              <a:t>Loan Approval </a:t>
+            </a:r>
+            <a:r>
               <a:rPr lang="en-US" sz="1800" dirty="0"/>
-              <a:t>Price-to-Earnings (P/E) Ratio Classification Using Few-Shot Prompting</a:t>
+              <a:t>Classification Using Few-Shot Prompting</a:t>
             </a:r>
           </a:p>
           <a:p>
